--- a/tutorials/pipelines/tut_a_con_but/vector files/fig03_long.pptx
+++ b/tutorials/pipelines/tut_a_con_but/vector files/fig03_long.pptx
@@ -104,6 +104,11 @@
       </a:defRPr>
     </a:lvl9pPr>
   </p:defaultTextStyle>
+  <p:extLst>
+    <p:ext uri="{EFAFB233-063F-42B5-8137-9DF3F51BA10A}">
+      <p15:sldGuideLst xmlns:p15="http://schemas.microsoft.com/office/powerpoint/2012/main"/>
+    </p:ext>
+  </p:extLst>
 </p:presentation>
 </file>
 
@@ -238,7 +243,7 @@
           <a:p>
             <a:fld id="{D3430A51-3C2A-401B-88FC-E254414256DF}" type="datetimeFigureOut">
               <a:rPr lang="en-SE" smtClean="0"/>
-              <a:t>2023-09-30</a:t>
+              <a:t>10/01/2023</a:t>
             </a:fld>
             <a:endParaRPr lang="en-SE"/>
           </a:p>
@@ -408,7 +413,7 @@
           <a:p>
             <a:fld id="{D3430A51-3C2A-401B-88FC-E254414256DF}" type="datetimeFigureOut">
               <a:rPr lang="en-SE" smtClean="0"/>
-              <a:t>2023-09-30</a:t>
+              <a:t>10/01/2023</a:t>
             </a:fld>
             <a:endParaRPr lang="en-SE"/>
           </a:p>
@@ -588,7 +593,7 @@
           <a:p>
             <a:fld id="{D3430A51-3C2A-401B-88FC-E254414256DF}" type="datetimeFigureOut">
               <a:rPr lang="en-SE" smtClean="0"/>
-              <a:t>2023-09-30</a:t>
+              <a:t>10/01/2023</a:t>
             </a:fld>
             <a:endParaRPr lang="en-SE"/>
           </a:p>
@@ -758,7 +763,7 @@
           <a:p>
             <a:fld id="{D3430A51-3C2A-401B-88FC-E254414256DF}" type="datetimeFigureOut">
               <a:rPr lang="en-SE" smtClean="0"/>
-              <a:t>2023-09-30</a:t>
+              <a:t>10/01/2023</a:t>
             </a:fld>
             <a:endParaRPr lang="en-SE"/>
           </a:p>
@@ -1002,7 +1007,7 @@
           <a:p>
             <a:fld id="{D3430A51-3C2A-401B-88FC-E254414256DF}" type="datetimeFigureOut">
               <a:rPr lang="en-SE" smtClean="0"/>
-              <a:t>2023-09-30</a:t>
+              <a:t>10/01/2023</a:t>
             </a:fld>
             <a:endParaRPr lang="en-SE"/>
           </a:p>
@@ -1234,7 +1239,7 @@
           <a:p>
             <a:fld id="{D3430A51-3C2A-401B-88FC-E254414256DF}" type="datetimeFigureOut">
               <a:rPr lang="en-SE" smtClean="0"/>
-              <a:t>2023-09-30</a:t>
+              <a:t>10/01/2023</a:t>
             </a:fld>
             <a:endParaRPr lang="en-SE"/>
           </a:p>
@@ -1601,7 +1606,7 @@
           <a:p>
             <a:fld id="{D3430A51-3C2A-401B-88FC-E254414256DF}" type="datetimeFigureOut">
               <a:rPr lang="en-SE" smtClean="0"/>
-              <a:t>2023-09-30</a:t>
+              <a:t>10/01/2023</a:t>
             </a:fld>
             <a:endParaRPr lang="en-SE"/>
           </a:p>
@@ -1719,7 +1724,7 @@
           <a:p>
             <a:fld id="{D3430A51-3C2A-401B-88FC-E254414256DF}" type="datetimeFigureOut">
               <a:rPr lang="en-SE" smtClean="0"/>
-              <a:t>2023-09-30</a:t>
+              <a:t>10/01/2023</a:t>
             </a:fld>
             <a:endParaRPr lang="en-SE"/>
           </a:p>
@@ -1814,7 +1819,7 @@
           <a:p>
             <a:fld id="{D3430A51-3C2A-401B-88FC-E254414256DF}" type="datetimeFigureOut">
               <a:rPr lang="en-SE" smtClean="0"/>
-              <a:t>2023-09-30</a:t>
+              <a:t>10/01/2023</a:t>
             </a:fld>
             <a:endParaRPr lang="en-SE"/>
           </a:p>
@@ -2091,7 +2096,7 @@
           <a:p>
             <a:fld id="{D3430A51-3C2A-401B-88FC-E254414256DF}" type="datetimeFigureOut">
               <a:rPr lang="en-SE" smtClean="0"/>
-              <a:t>2023-09-30</a:t>
+              <a:t>10/01/2023</a:t>
             </a:fld>
             <a:endParaRPr lang="en-SE"/>
           </a:p>
@@ -2348,7 +2353,7 @@
           <a:p>
             <a:fld id="{D3430A51-3C2A-401B-88FC-E254414256DF}" type="datetimeFigureOut">
               <a:rPr lang="en-SE" smtClean="0"/>
-              <a:t>2023-09-30</a:t>
+              <a:t>10/01/2023</a:t>
             </a:fld>
             <a:endParaRPr lang="en-SE"/>
           </a:p>
@@ -2561,7 +2566,7 @@
           <a:p>
             <a:fld id="{D3430A51-3C2A-401B-88FC-E254414256DF}" type="datetimeFigureOut">
               <a:rPr lang="en-SE" smtClean="0"/>
-              <a:t>2023-09-30</a:t>
+              <a:t>10/01/2023</a:t>
             </a:fld>
             <a:endParaRPr lang="en-SE"/>
           </a:p>
@@ -2968,10 +2973,10 @@
       </p:grpSpPr>
       <p:pic>
         <p:nvPicPr>
-          <p:cNvPr id="8" name="Picture 7">
+          <p:cNvPr id="3" name="Picture 2">
             <a:extLst>
               <a:ext uri="{FF2B5EF4-FFF2-40B4-BE49-F238E27FC236}">
-                <a16:creationId xmlns:a16="http://schemas.microsoft.com/office/drawing/2014/main" id="{6801C6D0-8F29-C56A-18C9-CCA5B53F5E27}"/>
+                <a16:creationId xmlns:a16="http://schemas.microsoft.com/office/drawing/2014/main" id="{C7388236-886A-F817-C792-639B0F23F631}"/>
               </a:ext>
             </a:extLst>
           </p:cNvPr>
@@ -2980,16 +2985,15 @@
           </p:cNvPicPr>
           <p:nvPr/>
         </p:nvPicPr>
-        <p:blipFill>
+        <p:blipFill rotWithShape="1">
           <a:blip r:embed="rId2"/>
-          <a:stretch>
-            <a:fillRect/>
-          </a:stretch>
+          <a:srcRect l="760" t="154" r="500"/>
+          <a:stretch/>
         </p:blipFill>
         <p:spPr>
           <a:xfrm>
-            <a:off x="-17778" y="0"/>
-            <a:ext cx="1968816" cy="4970776"/>
+            <a:off x="0" y="-577"/>
+            <a:ext cx="1951038" cy="4999605"/>
           </a:xfrm>
           <a:prstGeom prst="rect">
             <a:avLst/>
